--- a/ppt 16-9/0809.切慕寻求你.pptx
+++ b/ppt 16-9/0809.切慕寻求你.pptx
@@ -5,7 +5,7 @@
     <p:sldMasterId id="2147483648" r:id="rId1"/>
   </p:sldMasterIdLst>
   <p:sldIdLst>
-    <p:sldId id="2082" r:id="rId2"/>
+    <p:sldId id="2084" r:id="rId2"/>
   </p:sldIdLst>
   <p:sldSz cx="12192000" cy="6858000"/>
   <p:notesSz cx="6858000" cy="9144000"/>
@@ -129,7 +129,7 @@
           <p:cNvPr id="2" name="标题 1">
             <a:extLst>
               <a:ext uri="{FF2B5EF4-FFF2-40B4-BE49-F238E27FC236}">
-                <a16:creationId xmlns:a16="http://schemas.microsoft.com/office/drawing/2014/main" id="{DA2E2D18-0710-55FF-D295-83114AFBAC83}"/>
+                <a16:creationId xmlns:a16="http://schemas.microsoft.com/office/drawing/2014/main" id="{14628080-87DC-2A70-EE99-FB4FBD245E63}"/>
               </a:ext>
             </a:extLst>
           </p:cNvPr>
@@ -166,7 +166,7 @@
           <p:cNvPr id="3" name="副标题 2">
             <a:extLst>
               <a:ext uri="{FF2B5EF4-FFF2-40B4-BE49-F238E27FC236}">
-                <a16:creationId xmlns:a16="http://schemas.microsoft.com/office/drawing/2014/main" id="{16EB29F0-BB2E-8D24-F630-F173DA7AC6DA}"/>
+                <a16:creationId xmlns:a16="http://schemas.microsoft.com/office/drawing/2014/main" id="{D29CF174-916A-3127-0A45-E9B1D5421421}"/>
               </a:ext>
             </a:extLst>
           </p:cNvPr>
@@ -236,7 +236,7 @@
           <p:cNvPr id="4" name="日期占位符 3">
             <a:extLst>
               <a:ext uri="{FF2B5EF4-FFF2-40B4-BE49-F238E27FC236}">
-                <a16:creationId xmlns:a16="http://schemas.microsoft.com/office/drawing/2014/main" id="{C2DA27E2-BF32-D720-9074-3EE0410E23C2}"/>
+                <a16:creationId xmlns:a16="http://schemas.microsoft.com/office/drawing/2014/main" id="{09511AA3-7AB2-5363-8270-CC097A0B1AD8}"/>
               </a:ext>
             </a:extLst>
           </p:cNvPr>
@@ -252,7 +252,7 @@
           <a:bodyPr/>
           <a:lstStyle/>
           <a:p>
-            <a:fld id="{70D4BBF8-BED4-4AC0-AEFE-8107CD8998E5}" type="datetimeFigureOut">
+            <a:fld id="{709169FE-538B-4559-9D83-C1497EAC051C}" type="datetimeFigureOut">
               <a:rPr lang="zh-CN" altLang="en-US" smtClean="0"/>
               <a:t>2024/3/10</a:t>
             </a:fld>
@@ -265,7 +265,7 @@
           <p:cNvPr id="5" name="页脚占位符 4">
             <a:extLst>
               <a:ext uri="{FF2B5EF4-FFF2-40B4-BE49-F238E27FC236}">
-                <a16:creationId xmlns:a16="http://schemas.microsoft.com/office/drawing/2014/main" id="{369B4DFE-F780-B5BF-B186-B92B8FE3D9F2}"/>
+                <a16:creationId xmlns:a16="http://schemas.microsoft.com/office/drawing/2014/main" id="{BB97491D-297A-B713-517F-771B3A4E8DB5}"/>
               </a:ext>
             </a:extLst>
           </p:cNvPr>
@@ -290,7 +290,7 @@
           <p:cNvPr id="6" name="灯片编号占位符 5">
             <a:extLst>
               <a:ext uri="{FF2B5EF4-FFF2-40B4-BE49-F238E27FC236}">
-                <a16:creationId xmlns:a16="http://schemas.microsoft.com/office/drawing/2014/main" id="{57280B63-5DD6-A92B-64C9-1B822EA7C1BF}"/>
+                <a16:creationId xmlns:a16="http://schemas.microsoft.com/office/drawing/2014/main" id="{8F4334C7-D929-56D6-D79F-5C6C98C4B585}"/>
               </a:ext>
             </a:extLst>
           </p:cNvPr>
@@ -306,7 +306,7 @@
           <a:bodyPr/>
           <a:lstStyle/>
           <a:p>
-            <a:fld id="{7069FB37-4686-46A0-B001-4AEE2D3C3223}" type="slidenum">
+            <a:fld id="{CEC86E89-2023-41D9-BDE7-A9A3BFAFFC01}" type="slidenum">
               <a:rPr lang="zh-CN" altLang="en-US" smtClean="0"/>
               <a:t>‹#›</a:t>
             </a:fld>
@@ -317,7 +317,7 @@
     </p:spTree>
     <p:extLst>
       <p:ext uri="{BB962C8B-B14F-4D97-AF65-F5344CB8AC3E}">
-        <p14:creationId xmlns:p14="http://schemas.microsoft.com/office/powerpoint/2010/main" val="2697200362"/>
+        <p14:creationId xmlns:p14="http://schemas.microsoft.com/office/powerpoint/2010/main" val="2652857394"/>
       </p:ext>
     </p:extLst>
   </p:cSld>
@@ -349,7 +349,7 @@
           <p:cNvPr id="2" name="标题 1">
             <a:extLst>
               <a:ext uri="{FF2B5EF4-FFF2-40B4-BE49-F238E27FC236}">
-                <a16:creationId xmlns:a16="http://schemas.microsoft.com/office/drawing/2014/main" id="{77C30F11-C066-F72A-AC84-7BA92C6F889C}"/>
+                <a16:creationId xmlns:a16="http://schemas.microsoft.com/office/drawing/2014/main" id="{532493FD-9436-9501-AAC7-BCE5B7FEE8FF}"/>
               </a:ext>
             </a:extLst>
           </p:cNvPr>
@@ -377,7 +377,7 @@
           <p:cNvPr id="3" name="竖排文字占位符 2">
             <a:extLst>
               <a:ext uri="{FF2B5EF4-FFF2-40B4-BE49-F238E27FC236}">
-                <a16:creationId xmlns:a16="http://schemas.microsoft.com/office/drawing/2014/main" id="{9CC7B29B-6E9D-CA26-1FC9-B5DC9EA65149}"/>
+                <a16:creationId xmlns:a16="http://schemas.microsoft.com/office/drawing/2014/main" id="{0D6C4DAB-5B2B-2D7C-3556-0D611D1FE166}"/>
               </a:ext>
             </a:extLst>
           </p:cNvPr>
@@ -434,7 +434,7 @@
           <p:cNvPr id="4" name="日期占位符 3">
             <a:extLst>
               <a:ext uri="{FF2B5EF4-FFF2-40B4-BE49-F238E27FC236}">
-                <a16:creationId xmlns:a16="http://schemas.microsoft.com/office/drawing/2014/main" id="{D4369490-47F9-FBA6-3433-6508CE37CAA9}"/>
+                <a16:creationId xmlns:a16="http://schemas.microsoft.com/office/drawing/2014/main" id="{6566E631-8CC3-AD3C-94B0-7FA15319A691}"/>
               </a:ext>
             </a:extLst>
           </p:cNvPr>
@@ -450,7 +450,7 @@
           <a:bodyPr/>
           <a:lstStyle/>
           <a:p>
-            <a:fld id="{70D4BBF8-BED4-4AC0-AEFE-8107CD8998E5}" type="datetimeFigureOut">
+            <a:fld id="{709169FE-538B-4559-9D83-C1497EAC051C}" type="datetimeFigureOut">
               <a:rPr lang="zh-CN" altLang="en-US" smtClean="0"/>
               <a:t>2024/3/10</a:t>
             </a:fld>
@@ -463,7 +463,7 @@
           <p:cNvPr id="5" name="页脚占位符 4">
             <a:extLst>
               <a:ext uri="{FF2B5EF4-FFF2-40B4-BE49-F238E27FC236}">
-                <a16:creationId xmlns:a16="http://schemas.microsoft.com/office/drawing/2014/main" id="{7110B712-0F0B-C61A-05A3-1B53427F0876}"/>
+                <a16:creationId xmlns:a16="http://schemas.microsoft.com/office/drawing/2014/main" id="{FF30E071-9FC5-7E39-F323-718EB7049354}"/>
               </a:ext>
             </a:extLst>
           </p:cNvPr>
@@ -488,7 +488,7 @@
           <p:cNvPr id="6" name="灯片编号占位符 5">
             <a:extLst>
               <a:ext uri="{FF2B5EF4-FFF2-40B4-BE49-F238E27FC236}">
-                <a16:creationId xmlns:a16="http://schemas.microsoft.com/office/drawing/2014/main" id="{EC13C9C3-E4C4-8648-6D5D-EE1832219D13}"/>
+                <a16:creationId xmlns:a16="http://schemas.microsoft.com/office/drawing/2014/main" id="{3702704D-28D0-4162-A26C-E14BD7E73E98}"/>
               </a:ext>
             </a:extLst>
           </p:cNvPr>
@@ -504,7 +504,7 @@
           <a:bodyPr/>
           <a:lstStyle/>
           <a:p>
-            <a:fld id="{7069FB37-4686-46A0-B001-4AEE2D3C3223}" type="slidenum">
+            <a:fld id="{CEC86E89-2023-41D9-BDE7-A9A3BFAFFC01}" type="slidenum">
               <a:rPr lang="zh-CN" altLang="en-US" smtClean="0"/>
               <a:t>‹#›</a:t>
             </a:fld>
@@ -515,7 +515,7 @@
     </p:spTree>
     <p:extLst>
       <p:ext uri="{BB962C8B-B14F-4D97-AF65-F5344CB8AC3E}">
-        <p14:creationId xmlns:p14="http://schemas.microsoft.com/office/powerpoint/2010/main" val="1395297129"/>
+        <p14:creationId xmlns:p14="http://schemas.microsoft.com/office/powerpoint/2010/main" val="3894444711"/>
       </p:ext>
     </p:extLst>
   </p:cSld>
@@ -547,7 +547,7 @@
           <p:cNvPr id="2" name="竖排标题 1">
             <a:extLst>
               <a:ext uri="{FF2B5EF4-FFF2-40B4-BE49-F238E27FC236}">
-                <a16:creationId xmlns:a16="http://schemas.microsoft.com/office/drawing/2014/main" id="{9A139AB4-4653-FFA9-3F78-2D235941F07D}"/>
+                <a16:creationId xmlns:a16="http://schemas.microsoft.com/office/drawing/2014/main" id="{139D0EFA-D756-A079-9392-A5E30F73CBD6}"/>
               </a:ext>
             </a:extLst>
           </p:cNvPr>
@@ -580,7 +580,7 @@
           <p:cNvPr id="3" name="竖排文字占位符 2">
             <a:extLst>
               <a:ext uri="{FF2B5EF4-FFF2-40B4-BE49-F238E27FC236}">
-                <a16:creationId xmlns:a16="http://schemas.microsoft.com/office/drawing/2014/main" id="{9F0DA171-40C7-7788-6C32-E901335E73B0}"/>
+                <a16:creationId xmlns:a16="http://schemas.microsoft.com/office/drawing/2014/main" id="{7696A3CB-A6F9-B864-32CB-180673033D35}"/>
               </a:ext>
             </a:extLst>
           </p:cNvPr>
@@ -642,7 +642,7 @@
           <p:cNvPr id="4" name="日期占位符 3">
             <a:extLst>
               <a:ext uri="{FF2B5EF4-FFF2-40B4-BE49-F238E27FC236}">
-                <a16:creationId xmlns:a16="http://schemas.microsoft.com/office/drawing/2014/main" id="{FDA37A03-FE5D-3333-788A-661B383785D5}"/>
+                <a16:creationId xmlns:a16="http://schemas.microsoft.com/office/drawing/2014/main" id="{3E59955B-486D-6B7E-0506-CD9A7F2234C4}"/>
               </a:ext>
             </a:extLst>
           </p:cNvPr>
@@ -658,7 +658,7 @@
           <a:bodyPr/>
           <a:lstStyle/>
           <a:p>
-            <a:fld id="{70D4BBF8-BED4-4AC0-AEFE-8107CD8998E5}" type="datetimeFigureOut">
+            <a:fld id="{709169FE-538B-4559-9D83-C1497EAC051C}" type="datetimeFigureOut">
               <a:rPr lang="zh-CN" altLang="en-US" smtClean="0"/>
               <a:t>2024/3/10</a:t>
             </a:fld>
@@ -671,7 +671,7 @@
           <p:cNvPr id="5" name="页脚占位符 4">
             <a:extLst>
               <a:ext uri="{FF2B5EF4-FFF2-40B4-BE49-F238E27FC236}">
-                <a16:creationId xmlns:a16="http://schemas.microsoft.com/office/drawing/2014/main" id="{785DEF25-FE68-93B0-02D8-102EDF7A241B}"/>
+                <a16:creationId xmlns:a16="http://schemas.microsoft.com/office/drawing/2014/main" id="{893B4908-2384-B51C-76CA-82A227D0D478}"/>
               </a:ext>
             </a:extLst>
           </p:cNvPr>
@@ -696,7 +696,7 @@
           <p:cNvPr id="6" name="灯片编号占位符 5">
             <a:extLst>
               <a:ext uri="{FF2B5EF4-FFF2-40B4-BE49-F238E27FC236}">
-                <a16:creationId xmlns:a16="http://schemas.microsoft.com/office/drawing/2014/main" id="{A3D6B825-F597-496E-E608-4CB0105B3AAE}"/>
+                <a16:creationId xmlns:a16="http://schemas.microsoft.com/office/drawing/2014/main" id="{5A711FFB-764E-F0A7-DBAE-881F46135060}"/>
               </a:ext>
             </a:extLst>
           </p:cNvPr>
@@ -712,7 +712,7 @@
           <a:bodyPr/>
           <a:lstStyle/>
           <a:p>
-            <a:fld id="{7069FB37-4686-46A0-B001-4AEE2D3C3223}" type="slidenum">
+            <a:fld id="{CEC86E89-2023-41D9-BDE7-A9A3BFAFFC01}" type="slidenum">
               <a:rPr lang="zh-CN" altLang="en-US" smtClean="0"/>
               <a:t>‹#›</a:t>
             </a:fld>
@@ -723,7 +723,7 @@
     </p:spTree>
     <p:extLst>
       <p:ext uri="{BB962C8B-B14F-4D97-AF65-F5344CB8AC3E}">
-        <p14:creationId xmlns:p14="http://schemas.microsoft.com/office/powerpoint/2010/main" val="3974259668"/>
+        <p14:creationId xmlns:p14="http://schemas.microsoft.com/office/powerpoint/2010/main" val="2129684399"/>
       </p:ext>
     </p:extLst>
   </p:cSld>
@@ -755,7 +755,7 @@
           <p:cNvPr id="2" name="标题 1">
             <a:extLst>
               <a:ext uri="{FF2B5EF4-FFF2-40B4-BE49-F238E27FC236}">
-                <a16:creationId xmlns:a16="http://schemas.microsoft.com/office/drawing/2014/main" id="{9990F32A-1CE6-B303-7769-E496A80C4368}"/>
+                <a16:creationId xmlns:a16="http://schemas.microsoft.com/office/drawing/2014/main" id="{F1B08B28-48C9-16A3-0379-6A3A614D0249}"/>
               </a:ext>
             </a:extLst>
           </p:cNvPr>
@@ -783,7 +783,7 @@
           <p:cNvPr id="3" name="内容占位符 2">
             <a:extLst>
               <a:ext uri="{FF2B5EF4-FFF2-40B4-BE49-F238E27FC236}">
-                <a16:creationId xmlns:a16="http://schemas.microsoft.com/office/drawing/2014/main" id="{9E5EE733-69CB-E596-FB42-92AE3482F3CC}"/>
+                <a16:creationId xmlns:a16="http://schemas.microsoft.com/office/drawing/2014/main" id="{F63E6E31-47E0-1529-3F88-D2C3A75F5272}"/>
               </a:ext>
             </a:extLst>
           </p:cNvPr>
@@ -840,7 +840,7 @@
           <p:cNvPr id="4" name="日期占位符 3">
             <a:extLst>
               <a:ext uri="{FF2B5EF4-FFF2-40B4-BE49-F238E27FC236}">
-                <a16:creationId xmlns:a16="http://schemas.microsoft.com/office/drawing/2014/main" id="{47196528-6058-3B0C-09A3-9145E662BFA9}"/>
+                <a16:creationId xmlns:a16="http://schemas.microsoft.com/office/drawing/2014/main" id="{C86DA5A9-DE03-A5C1-7843-B02E1108B4DC}"/>
               </a:ext>
             </a:extLst>
           </p:cNvPr>
@@ -856,7 +856,7 @@
           <a:bodyPr/>
           <a:lstStyle/>
           <a:p>
-            <a:fld id="{70D4BBF8-BED4-4AC0-AEFE-8107CD8998E5}" type="datetimeFigureOut">
+            <a:fld id="{709169FE-538B-4559-9D83-C1497EAC051C}" type="datetimeFigureOut">
               <a:rPr lang="zh-CN" altLang="en-US" smtClean="0"/>
               <a:t>2024/3/10</a:t>
             </a:fld>
@@ -869,7 +869,7 @@
           <p:cNvPr id="5" name="页脚占位符 4">
             <a:extLst>
               <a:ext uri="{FF2B5EF4-FFF2-40B4-BE49-F238E27FC236}">
-                <a16:creationId xmlns:a16="http://schemas.microsoft.com/office/drawing/2014/main" id="{74C643A3-F9B7-EA2D-3B93-5311B059C2ED}"/>
+                <a16:creationId xmlns:a16="http://schemas.microsoft.com/office/drawing/2014/main" id="{F0FAABB5-E605-D5BF-E326-0644D824CDD8}"/>
               </a:ext>
             </a:extLst>
           </p:cNvPr>
@@ -894,7 +894,7 @@
           <p:cNvPr id="6" name="灯片编号占位符 5">
             <a:extLst>
               <a:ext uri="{FF2B5EF4-FFF2-40B4-BE49-F238E27FC236}">
-                <a16:creationId xmlns:a16="http://schemas.microsoft.com/office/drawing/2014/main" id="{B1C2C3B7-6504-79BF-4D88-61A6AD89F492}"/>
+                <a16:creationId xmlns:a16="http://schemas.microsoft.com/office/drawing/2014/main" id="{99A15FC9-6235-226D-FC24-A7A8B325B3C9}"/>
               </a:ext>
             </a:extLst>
           </p:cNvPr>
@@ -910,7 +910,7 @@
           <a:bodyPr/>
           <a:lstStyle/>
           <a:p>
-            <a:fld id="{7069FB37-4686-46A0-B001-4AEE2D3C3223}" type="slidenum">
+            <a:fld id="{CEC86E89-2023-41D9-BDE7-A9A3BFAFFC01}" type="slidenum">
               <a:rPr lang="zh-CN" altLang="en-US" smtClean="0"/>
               <a:t>‹#›</a:t>
             </a:fld>
@@ -921,7 +921,7 @@
     </p:spTree>
     <p:extLst>
       <p:ext uri="{BB962C8B-B14F-4D97-AF65-F5344CB8AC3E}">
-        <p14:creationId xmlns:p14="http://schemas.microsoft.com/office/powerpoint/2010/main" val="3053542209"/>
+        <p14:creationId xmlns:p14="http://schemas.microsoft.com/office/powerpoint/2010/main" val="1638694060"/>
       </p:ext>
     </p:extLst>
   </p:cSld>
@@ -953,7 +953,7 @@
           <p:cNvPr id="2" name="标题 1">
             <a:extLst>
               <a:ext uri="{FF2B5EF4-FFF2-40B4-BE49-F238E27FC236}">
-                <a16:creationId xmlns:a16="http://schemas.microsoft.com/office/drawing/2014/main" id="{5C8D1C94-9ACA-DEE6-E31A-23857E26E210}"/>
+                <a16:creationId xmlns:a16="http://schemas.microsoft.com/office/drawing/2014/main" id="{C018D38F-F33C-FF30-99EA-008DB97057FB}"/>
               </a:ext>
             </a:extLst>
           </p:cNvPr>
@@ -990,7 +990,7 @@
           <p:cNvPr id="3" name="文本占位符 2">
             <a:extLst>
               <a:ext uri="{FF2B5EF4-FFF2-40B4-BE49-F238E27FC236}">
-                <a16:creationId xmlns:a16="http://schemas.microsoft.com/office/drawing/2014/main" id="{C6E9EDE4-AE76-C284-5347-5A50140B320E}"/>
+                <a16:creationId xmlns:a16="http://schemas.microsoft.com/office/drawing/2014/main" id="{47338BA6-CA5A-0BDD-BE6F-5C4DD5A4E453}"/>
               </a:ext>
             </a:extLst>
           </p:cNvPr>
@@ -1115,7 +1115,7 @@
           <p:cNvPr id="4" name="日期占位符 3">
             <a:extLst>
               <a:ext uri="{FF2B5EF4-FFF2-40B4-BE49-F238E27FC236}">
-                <a16:creationId xmlns:a16="http://schemas.microsoft.com/office/drawing/2014/main" id="{8DEC2186-8E35-EE3A-1E89-716CFA051A83}"/>
+                <a16:creationId xmlns:a16="http://schemas.microsoft.com/office/drawing/2014/main" id="{44E7B0A6-4B69-08C7-2B5D-20D5BA553B4E}"/>
               </a:ext>
             </a:extLst>
           </p:cNvPr>
@@ -1131,7 +1131,7 @@
           <a:bodyPr/>
           <a:lstStyle/>
           <a:p>
-            <a:fld id="{70D4BBF8-BED4-4AC0-AEFE-8107CD8998E5}" type="datetimeFigureOut">
+            <a:fld id="{709169FE-538B-4559-9D83-C1497EAC051C}" type="datetimeFigureOut">
               <a:rPr lang="zh-CN" altLang="en-US" smtClean="0"/>
               <a:t>2024/3/10</a:t>
             </a:fld>
@@ -1144,7 +1144,7 @@
           <p:cNvPr id="5" name="页脚占位符 4">
             <a:extLst>
               <a:ext uri="{FF2B5EF4-FFF2-40B4-BE49-F238E27FC236}">
-                <a16:creationId xmlns:a16="http://schemas.microsoft.com/office/drawing/2014/main" id="{2D73DB67-16D7-86BA-E192-F9D5C40FB2AA}"/>
+                <a16:creationId xmlns:a16="http://schemas.microsoft.com/office/drawing/2014/main" id="{CFEF870E-952D-D68F-0F48-FCA95934DF6E}"/>
               </a:ext>
             </a:extLst>
           </p:cNvPr>
@@ -1169,7 +1169,7 @@
           <p:cNvPr id="6" name="灯片编号占位符 5">
             <a:extLst>
               <a:ext uri="{FF2B5EF4-FFF2-40B4-BE49-F238E27FC236}">
-                <a16:creationId xmlns:a16="http://schemas.microsoft.com/office/drawing/2014/main" id="{C0CE10B2-5C11-7893-2CE7-94173F4705C5}"/>
+                <a16:creationId xmlns:a16="http://schemas.microsoft.com/office/drawing/2014/main" id="{1F934671-9A7E-6424-D000-89FCC4283504}"/>
               </a:ext>
             </a:extLst>
           </p:cNvPr>
@@ -1185,7 +1185,7 @@
           <a:bodyPr/>
           <a:lstStyle/>
           <a:p>
-            <a:fld id="{7069FB37-4686-46A0-B001-4AEE2D3C3223}" type="slidenum">
+            <a:fld id="{CEC86E89-2023-41D9-BDE7-A9A3BFAFFC01}" type="slidenum">
               <a:rPr lang="zh-CN" altLang="en-US" smtClean="0"/>
               <a:t>‹#›</a:t>
             </a:fld>
@@ -1196,7 +1196,7 @@
     </p:spTree>
     <p:extLst>
       <p:ext uri="{BB962C8B-B14F-4D97-AF65-F5344CB8AC3E}">
-        <p14:creationId xmlns:p14="http://schemas.microsoft.com/office/powerpoint/2010/main" val="4235110373"/>
+        <p14:creationId xmlns:p14="http://schemas.microsoft.com/office/powerpoint/2010/main" val="3661652502"/>
       </p:ext>
     </p:extLst>
   </p:cSld>
@@ -1228,7 +1228,7 @@
           <p:cNvPr id="2" name="标题 1">
             <a:extLst>
               <a:ext uri="{FF2B5EF4-FFF2-40B4-BE49-F238E27FC236}">
-                <a16:creationId xmlns:a16="http://schemas.microsoft.com/office/drawing/2014/main" id="{078E5962-648E-4BB6-3B43-FCE257679454}"/>
+                <a16:creationId xmlns:a16="http://schemas.microsoft.com/office/drawing/2014/main" id="{7249F25E-F27B-F0EC-CBC6-DB2CDC5C52C6}"/>
               </a:ext>
             </a:extLst>
           </p:cNvPr>
@@ -1256,7 +1256,7 @@
           <p:cNvPr id="3" name="内容占位符 2">
             <a:extLst>
               <a:ext uri="{FF2B5EF4-FFF2-40B4-BE49-F238E27FC236}">
-                <a16:creationId xmlns:a16="http://schemas.microsoft.com/office/drawing/2014/main" id="{5D5C60ED-057F-5B75-4D3F-9C8723D8330E}"/>
+                <a16:creationId xmlns:a16="http://schemas.microsoft.com/office/drawing/2014/main" id="{D07A72DE-E8D8-5D6F-6D17-1C4855F6CB13}"/>
               </a:ext>
             </a:extLst>
           </p:cNvPr>
@@ -1318,7 +1318,7 @@
           <p:cNvPr id="4" name="内容占位符 3">
             <a:extLst>
               <a:ext uri="{FF2B5EF4-FFF2-40B4-BE49-F238E27FC236}">
-                <a16:creationId xmlns:a16="http://schemas.microsoft.com/office/drawing/2014/main" id="{2C2DB7B3-9C40-95F0-33B1-F1ADDB8DEE30}"/>
+                <a16:creationId xmlns:a16="http://schemas.microsoft.com/office/drawing/2014/main" id="{BB7AAFB0-B05F-729F-44D9-18AFB68C00EC}"/>
               </a:ext>
             </a:extLst>
           </p:cNvPr>
@@ -1380,7 +1380,7 @@
           <p:cNvPr id="5" name="日期占位符 4">
             <a:extLst>
               <a:ext uri="{FF2B5EF4-FFF2-40B4-BE49-F238E27FC236}">
-                <a16:creationId xmlns:a16="http://schemas.microsoft.com/office/drawing/2014/main" id="{83CC336D-C356-BA69-65EC-E309B743A669}"/>
+                <a16:creationId xmlns:a16="http://schemas.microsoft.com/office/drawing/2014/main" id="{D14F824E-1B85-7B16-55F9-1F85507CADFD}"/>
               </a:ext>
             </a:extLst>
           </p:cNvPr>
@@ -1396,7 +1396,7 @@
           <a:bodyPr/>
           <a:lstStyle/>
           <a:p>
-            <a:fld id="{70D4BBF8-BED4-4AC0-AEFE-8107CD8998E5}" type="datetimeFigureOut">
+            <a:fld id="{709169FE-538B-4559-9D83-C1497EAC051C}" type="datetimeFigureOut">
               <a:rPr lang="zh-CN" altLang="en-US" smtClean="0"/>
               <a:t>2024/3/10</a:t>
             </a:fld>
@@ -1409,7 +1409,7 @@
           <p:cNvPr id="6" name="页脚占位符 5">
             <a:extLst>
               <a:ext uri="{FF2B5EF4-FFF2-40B4-BE49-F238E27FC236}">
-                <a16:creationId xmlns:a16="http://schemas.microsoft.com/office/drawing/2014/main" id="{301E83B3-CB10-74C1-913C-8BA740DC3F7D}"/>
+                <a16:creationId xmlns:a16="http://schemas.microsoft.com/office/drawing/2014/main" id="{F856E4ED-C90D-8A65-CDD1-7A8F3C0C48F7}"/>
               </a:ext>
             </a:extLst>
           </p:cNvPr>
@@ -1434,7 +1434,7 @@
           <p:cNvPr id="7" name="灯片编号占位符 6">
             <a:extLst>
               <a:ext uri="{FF2B5EF4-FFF2-40B4-BE49-F238E27FC236}">
-                <a16:creationId xmlns:a16="http://schemas.microsoft.com/office/drawing/2014/main" id="{674AC076-8C4B-8F3B-D59B-5F7F9CF63C4E}"/>
+                <a16:creationId xmlns:a16="http://schemas.microsoft.com/office/drawing/2014/main" id="{A1DBEB02-65A1-F139-C5C8-3C4951FC4ED2}"/>
               </a:ext>
             </a:extLst>
           </p:cNvPr>
@@ -1450,7 +1450,7 @@
           <a:bodyPr/>
           <a:lstStyle/>
           <a:p>
-            <a:fld id="{7069FB37-4686-46A0-B001-4AEE2D3C3223}" type="slidenum">
+            <a:fld id="{CEC86E89-2023-41D9-BDE7-A9A3BFAFFC01}" type="slidenum">
               <a:rPr lang="zh-CN" altLang="en-US" smtClean="0"/>
               <a:t>‹#›</a:t>
             </a:fld>
@@ -1461,7 +1461,7 @@
     </p:spTree>
     <p:extLst>
       <p:ext uri="{BB962C8B-B14F-4D97-AF65-F5344CB8AC3E}">
-        <p14:creationId xmlns:p14="http://schemas.microsoft.com/office/powerpoint/2010/main" val="1382996152"/>
+        <p14:creationId xmlns:p14="http://schemas.microsoft.com/office/powerpoint/2010/main" val="2896910974"/>
       </p:ext>
     </p:extLst>
   </p:cSld>
@@ -1493,7 +1493,7 @@
           <p:cNvPr id="2" name="标题 1">
             <a:extLst>
               <a:ext uri="{FF2B5EF4-FFF2-40B4-BE49-F238E27FC236}">
-                <a16:creationId xmlns:a16="http://schemas.microsoft.com/office/drawing/2014/main" id="{2B45A6B3-3863-2244-2D3A-A90C243DC71F}"/>
+                <a16:creationId xmlns:a16="http://schemas.microsoft.com/office/drawing/2014/main" id="{755D42CA-D236-2278-5619-9679AB1CEE88}"/>
               </a:ext>
             </a:extLst>
           </p:cNvPr>
@@ -1526,7 +1526,7 @@
           <p:cNvPr id="3" name="文本占位符 2">
             <a:extLst>
               <a:ext uri="{FF2B5EF4-FFF2-40B4-BE49-F238E27FC236}">
-                <a16:creationId xmlns:a16="http://schemas.microsoft.com/office/drawing/2014/main" id="{9B9175DD-4E32-2FFA-C318-242F4020DC6A}"/>
+                <a16:creationId xmlns:a16="http://schemas.microsoft.com/office/drawing/2014/main" id="{2ED1C7DF-5815-2025-E98E-698F09EB769A}"/>
               </a:ext>
             </a:extLst>
           </p:cNvPr>
@@ -1597,7 +1597,7 @@
           <p:cNvPr id="4" name="内容占位符 3">
             <a:extLst>
               <a:ext uri="{FF2B5EF4-FFF2-40B4-BE49-F238E27FC236}">
-                <a16:creationId xmlns:a16="http://schemas.microsoft.com/office/drawing/2014/main" id="{81A820D7-B70A-80C1-9E0D-5376F5E69DE0}"/>
+                <a16:creationId xmlns:a16="http://schemas.microsoft.com/office/drawing/2014/main" id="{CFC1780D-A411-AB8F-875D-188C540F38C4}"/>
               </a:ext>
             </a:extLst>
           </p:cNvPr>
@@ -1659,7 +1659,7 @@
           <p:cNvPr id="5" name="文本占位符 4">
             <a:extLst>
               <a:ext uri="{FF2B5EF4-FFF2-40B4-BE49-F238E27FC236}">
-                <a16:creationId xmlns:a16="http://schemas.microsoft.com/office/drawing/2014/main" id="{9667596E-5171-C88B-1B56-BB1839DAA369}"/>
+                <a16:creationId xmlns:a16="http://schemas.microsoft.com/office/drawing/2014/main" id="{6A3CA6DD-3FB3-765D-33AA-828F5355034E}"/>
               </a:ext>
             </a:extLst>
           </p:cNvPr>
@@ -1730,7 +1730,7 @@
           <p:cNvPr id="6" name="内容占位符 5">
             <a:extLst>
               <a:ext uri="{FF2B5EF4-FFF2-40B4-BE49-F238E27FC236}">
-                <a16:creationId xmlns:a16="http://schemas.microsoft.com/office/drawing/2014/main" id="{80831EA2-4B6F-D184-A8E4-AAD66F92C212}"/>
+                <a16:creationId xmlns:a16="http://schemas.microsoft.com/office/drawing/2014/main" id="{08CE7F1D-393A-8DA8-E159-242D62F4F42A}"/>
               </a:ext>
             </a:extLst>
           </p:cNvPr>
@@ -1792,7 +1792,7 @@
           <p:cNvPr id="7" name="日期占位符 6">
             <a:extLst>
               <a:ext uri="{FF2B5EF4-FFF2-40B4-BE49-F238E27FC236}">
-                <a16:creationId xmlns:a16="http://schemas.microsoft.com/office/drawing/2014/main" id="{8E44410F-CD78-D2AE-0971-BF10A7DEF423}"/>
+                <a16:creationId xmlns:a16="http://schemas.microsoft.com/office/drawing/2014/main" id="{8301E77E-FF34-224F-0472-2A2394E96B75}"/>
               </a:ext>
             </a:extLst>
           </p:cNvPr>
@@ -1808,7 +1808,7 @@
           <a:bodyPr/>
           <a:lstStyle/>
           <a:p>
-            <a:fld id="{70D4BBF8-BED4-4AC0-AEFE-8107CD8998E5}" type="datetimeFigureOut">
+            <a:fld id="{709169FE-538B-4559-9D83-C1497EAC051C}" type="datetimeFigureOut">
               <a:rPr lang="zh-CN" altLang="en-US" smtClean="0"/>
               <a:t>2024/3/10</a:t>
             </a:fld>
@@ -1821,7 +1821,7 @@
           <p:cNvPr id="8" name="页脚占位符 7">
             <a:extLst>
               <a:ext uri="{FF2B5EF4-FFF2-40B4-BE49-F238E27FC236}">
-                <a16:creationId xmlns:a16="http://schemas.microsoft.com/office/drawing/2014/main" id="{48B9BE03-66F7-B9B9-8F9C-849E4EC7BB5A}"/>
+                <a16:creationId xmlns:a16="http://schemas.microsoft.com/office/drawing/2014/main" id="{CDF705E1-0E46-E0AB-107B-B5733A3C905D}"/>
               </a:ext>
             </a:extLst>
           </p:cNvPr>
@@ -1846,7 +1846,7 @@
           <p:cNvPr id="9" name="灯片编号占位符 8">
             <a:extLst>
               <a:ext uri="{FF2B5EF4-FFF2-40B4-BE49-F238E27FC236}">
-                <a16:creationId xmlns:a16="http://schemas.microsoft.com/office/drawing/2014/main" id="{3BF1382B-F0A5-8DA5-9527-3CCAA5FD8DB1}"/>
+                <a16:creationId xmlns:a16="http://schemas.microsoft.com/office/drawing/2014/main" id="{193BA9EC-DAFF-8391-2424-511FD729AC00}"/>
               </a:ext>
             </a:extLst>
           </p:cNvPr>
@@ -1862,7 +1862,7 @@
           <a:bodyPr/>
           <a:lstStyle/>
           <a:p>
-            <a:fld id="{7069FB37-4686-46A0-B001-4AEE2D3C3223}" type="slidenum">
+            <a:fld id="{CEC86E89-2023-41D9-BDE7-A9A3BFAFFC01}" type="slidenum">
               <a:rPr lang="zh-CN" altLang="en-US" smtClean="0"/>
               <a:t>‹#›</a:t>
             </a:fld>
@@ -1873,7 +1873,7 @@
     </p:spTree>
     <p:extLst>
       <p:ext uri="{BB962C8B-B14F-4D97-AF65-F5344CB8AC3E}">
-        <p14:creationId xmlns:p14="http://schemas.microsoft.com/office/powerpoint/2010/main" val="2001768190"/>
+        <p14:creationId xmlns:p14="http://schemas.microsoft.com/office/powerpoint/2010/main" val="3915415844"/>
       </p:ext>
     </p:extLst>
   </p:cSld>
@@ -1905,7 +1905,7 @@
           <p:cNvPr id="2" name="标题 1">
             <a:extLst>
               <a:ext uri="{FF2B5EF4-FFF2-40B4-BE49-F238E27FC236}">
-                <a16:creationId xmlns:a16="http://schemas.microsoft.com/office/drawing/2014/main" id="{C60317D0-EBE9-538F-52B8-0BC82C9B9B7D}"/>
+                <a16:creationId xmlns:a16="http://schemas.microsoft.com/office/drawing/2014/main" id="{E9F97D04-35AB-7DFD-0F39-2789A19A2B51}"/>
               </a:ext>
             </a:extLst>
           </p:cNvPr>
@@ -1933,7 +1933,7 @@
           <p:cNvPr id="3" name="日期占位符 2">
             <a:extLst>
               <a:ext uri="{FF2B5EF4-FFF2-40B4-BE49-F238E27FC236}">
-                <a16:creationId xmlns:a16="http://schemas.microsoft.com/office/drawing/2014/main" id="{2412161D-BB5F-9DE5-BB3A-187F8F9EA3F8}"/>
+                <a16:creationId xmlns:a16="http://schemas.microsoft.com/office/drawing/2014/main" id="{B499F564-99B2-DA08-8E30-E5427432A35F}"/>
               </a:ext>
             </a:extLst>
           </p:cNvPr>
@@ -1949,7 +1949,7 @@
           <a:bodyPr/>
           <a:lstStyle/>
           <a:p>
-            <a:fld id="{70D4BBF8-BED4-4AC0-AEFE-8107CD8998E5}" type="datetimeFigureOut">
+            <a:fld id="{709169FE-538B-4559-9D83-C1497EAC051C}" type="datetimeFigureOut">
               <a:rPr lang="zh-CN" altLang="en-US" smtClean="0"/>
               <a:t>2024/3/10</a:t>
             </a:fld>
@@ -1962,7 +1962,7 @@
           <p:cNvPr id="4" name="页脚占位符 3">
             <a:extLst>
               <a:ext uri="{FF2B5EF4-FFF2-40B4-BE49-F238E27FC236}">
-                <a16:creationId xmlns:a16="http://schemas.microsoft.com/office/drawing/2014/main" id="{943FE397-A58B-F5C6-C435-C0D14CB83FB0}"/>
+                <a16:creationId xmlns:a16="http://schemas.microsoft.com/office/drawing/2014/main" id="{EB8C5478-D5A4-56DE-4FEF-1B83E259AD0E}"/>
               </a:ext>
             </a:extLst>
           </p:cNvPr>
@@ -1987,7 +1987,7 @@
           <p:cNvPr id="5" name="灯片编号占位符 4">
             <a:extLst>
               <a:ext uri="{FF2B5EF4-FFF2-40B4-BE49-F238E27FC236}">
-                <a16:creationId xmlns:a16="http://schemas.microsoft.com/office/drawing/2014/main" id="{C4CD9D77-609F-5E72-3E1A-8FB8EFD8A686}"/>
+                <a16:creationId xmlns:a16="http://schemas.microsoft.com/office/drawing/2014/main" id="{0A37602A-4722-9E24-7569-00664CEE543E}"/>
               </a:ext>
             </a:extLst>
           </p:cNvPr>
@@ -2003,7 +2003,7 @@
           <a:bodyPr/>
           <a:lstStyle/>
           <a:p>
-            <a:fld id="{7069FB37-4686-46A0-B001-4AEE2D3C3223}" type="slidenum">
+            <a:fld id="{CEC86E89-2023-41D9-BDE7-A9A3BFAFFC01}" type="slidenum">
               <a:rPr lang="zh-CN" altLang="en-US" smtClean="0"/>
               <a:t>‹#›</a:t>
             </a:fld>
@@ -2014,7 +2014,7 @@
     </p:spTree>
     <p:extLst>
       <p:ext uri="{BB962C8B-B14F-4D97-AF65-F5344CB8AC3E}">
-        <p14:creationId xmlns:p14="http://schemas.microsoft.com/office/powerpoint/2010/main" val="1601444304"/>
+        <p14:creationId xmlns:p14="http://schemas.microsoft.com/office/powerpoint/2010/main" val="688989607"/>
       </p:ext>
     </p:extLst>
   </p:cSld>
@@ -2046,7 +2046,7 @@
           <p:cNvPr id="2" name="日期占位符 1">
             <a:extLst>
               <a:ext uri="{FF2B5EF4-FFF2-40B4-BE49-F238E27FC236}">
-                <a16:creationId xmlns:a16="http://schemas.microsoft.com/office/drawing/2014/main" id="{BFC0CA8B-FED2-0792-47D5-A0309A4BE5F8}"/>
+                <a16:creationId xmlns:a16="http://schemas.microsoft.com/office/drawing/2014/main" id="{9F563AB8-62C2-5862-5F4D-D4AE8496F8DD}"/>
               </a:ext>
             </a:extLst>
           </p:cNvPr>
@@ -2062,7 +2062,7 @@
           <a:bodyPr/>
           <a:lstStyle/>
           <a:p>
-            <a:fld id="{70D4BBF8-BED4-4AC0-AEFE-8107CD8998E5}" type="datetimeFigureOut">
+            <a:fld id="{709169FE-538B-4559-9D83-C1497EAC051C}" type="datetimeFigureOut">
               <a:rPr lang="zh-CN" altLang="en-US" smtClean="0"/>
               <a:t>2024/3/10</a:t>
             </a:fld>
@@ -2075,7 +2075,7 @@
           <p:cNvPr id="3" name="页脚占位符 2">
             <a:extLst>
               <a:ext uri="{FF2B5EF4-FFF2-40B4-BE49-F238E27FC236}">
-                <a16:creationId xmlns:a16="http://schemas.microsoft.com/office/drawing/2014/main" id="{9598EC5E-D07C-E069-1A70-2ED4A0D1E1B9}"/>
+                <a16:creationId xmlns:a16="http://schemas.microsoft.com/office/drawing/2014/main" id="{93353B42-9BF5-132E-E09E-F4117923FFF5}"/>
               </a:ext>
             </a:extLst>
           </p:cNvPr>
@@ -2100,7 +2100,7 @@
           <p:cNvPr id="4" name="灯片编号占位符 3">
             <a:extLst>
               <a:ext uri="{FF2B5EF4-FFF2-40B4-BE49-F238E27FC236}">
-                <a16:creationId xmlns:a16="http://schemas.microsoft.com/office/drawing/2014/main" id="{7D89F426-794F-20C3-AF8E-52B6B1C8C269}"/>
+                <a16:creationId xmlns:a16="http://schemas.microsoft.com/office/drawing/2014/main" id="{D84F30B6-28D3-396D-FBE1-B3955CAB5118}"/>
               </a:ext>
             </a:extLst>
           </p:cNvPr>
@@ -2116,7 +2116,7 @@
           <a:bodyPr/>
           <a:lstStyle/>
           <a:p>
-            <a:fld id="{7069FB37-4686-46A0-B001-4AEE2D3C3223}" type="slidenum">
+            <a:fld id="{CEC86E89-2023-41D9-BDE7-A9A3BFAFFC01}" type="slidenum">
               <a:rPr lang="zh-CN" altLang="en-US" smtClean="0"/>
               <a:t>‹#›</a:t>
             </a:fld>
@@ -2127,7 +2127,7 @@
     </p:spTree>
     <p:extLst>
       <p:ext uri="{BB962C8B-B14F-4D97-AF65-F5344CB8AC3E}">
-        <p14:creationId xmlns:p14="http://schemas.microsoft.com/office/powerpoint/2010/main" val="1923395798"/>
+        <p14:creationId xmlns:p14="http://schemas.microsoft.com/office/powerpoint/2010/main" val="2616305102"/>
       </p:ext>
     </p:extLst>
   </p:cSld>
@@ -2159,7 +2159,7 @@
           <p:cNvPr id="2" name="标题 1">
             <a:extLst>
               <a:ext uri="{FF2B5EF4-FFF2-40B4-BE49-F238E27FC236}">
-                <a16:creationId xmlns:a16="http://schemas.microsoft.com/office/drawing/2014/main" id="{F83163D2-6679-4297-79DD-B7100E81FCFC}"/>
+                <a16:creationId xmlns:a16="http://schemas.microsoft.com/office/drawing/2014/main" id="{17822217-5890-5B6B-2E46-3F56633DEE93}"/>
               </a:ext>
             </a:extLst>
           </p:cNvPr>
@@ -2196,7 +2196,7 @@
           <p:cNvPr id="3" name="内容占位符 2">
             <a:extLst>
               <a:ext uri="{FF2B5EF4-FFF2-40B4-BE49-F238E27FC236}">
-                <a16:creationId xmlns:a16="http://schemas.microsoft.com/office/drawing/2014/main" id="{B4E38931-DF21-92C9-6EB9-D5A33AF60099}"/>
+                <a16:creationId xmlns:a16="http://schemas.microsoft.com/office/drawing/2014/main" id="{AC2B8D68-137F-56AD-52C9-B1B5056C7D91}"/>
               </a:ext>
             </a:extLst>
           </p:cNvPr>
@@ -2286,7 +2286,7 @@
           <p:cNvPr id="4" name="文本占位符 3">
             <a:extLst>
               <a:ext uri="{FF2B5EF4-FFF2-40B4-BE49-F238E27FC236}">
-                <a16:creationId xmlns:a16="http://schemas.microsoft.com/office/drawing/2014/main" id="{91C4007A-D26A-820E-E92E-2FFD97B6E627}"/>
+                <a16:creationId xmlns:a16="http://schemas.microsoft.com/office/drawing/2014/main" id="{04AA277E-C238-2272-B83C-CF4ACE8C6BA8}"/>
               </a:ext>
             </a:extLst>
           </p:cNvPr>
@@ -2357,7 +2357,7 @@
           <p:cNvPr id="5" name="日期占位符 4">
             <a:extLst>
               <a:ext uri="{FF2B5EF4-FFF2-40B4-BE49-F238E27FC236}">
-                <a16:creationId xmlns:a16="http://schemas.microsoft.com/office/drawing/2014/main" id="{A745F30E-5C35-C7F1-E438-08ABBA27E162}"/>
+                <a16:creationId xmlns:a16="http://schemas.microsoft.com/office/drawing/2014/main" id="{3C0C6774-441B-5AC6-92C2-B3DECF08523F}"/>
               </a:ext>
             </a:extLst>
           </p:cNvPr>
@@ -2373,7 +2373,7 @@
           <a:bodyPr/>
           <a:lstStyle/>
           <a:p>
-            <a:fld id="{70D4BBF8-BED4-4AC0-AEFE-8107CD8998E5}" type="datetimeFigureOut">
+            <a:fld id="{709169FE-538B-4559-9D83-C1497EAC051C}" type="datetimeFigureOut">
               <a:rPr lang="zh-CN" altLang="en-US" smtClean="0"/>
               <a:t>2024/3/10</a:t>
             </a:fld>
@@ -2386,7 +2386,7 @@
           <p:cNvPr id="6" name="页脚占位符 5">
             <a:extLst>
               <a:ext uri="{FF2B5EF4-FFF2-40B4-BE49-F238E27FC236}">
-                <a16:creationId xmlns:a16="http://schemas.microsoft.com/office/drawing/2014/main" id="{C637B435-88E0-2EA4-091C-344527B7FF72}"/>
+                <a16:creationId xmlns:a16="http://schemas.microsoft.com/office/drawing/2014/main" id="{87C5E635-82F1-58F4-3736-F8A7CB734EFA}"/>
               </a:ext>
             </a:extLst>
           </p:cNvPr>
@@ -2411,7 +2411,7 @@
           <p:cNvPr id="7" name="灯片编号占位符 6">
             <a:extLst>
               <a:ext uri="{FF2B5EF4-FFF2-40B4-BE49-F238E27FC236}">
-                <a16:creationId xmlns:a16="http://schemas.microsoft.com/office/drawing/2014/main" id="{4487E371-12E7-FF91-29E1-28CBDAEB15D6}"/>
+                <a16:creationId xmlns:a16="http://schemas.microsoft.com/office/drawing/2014/main" id="{E9D07E94-7E01-17B3-0809-DEB0DB3EB041}"/>
               </a:ext>
             </a:extLst>
           </p:cNvPr>
@@ -2427,7 +2427,7 @@
           <a:bodyPr/>
           <a:lstStyle/>
           <a:p>
-            <a:fld id="{7069FB37-4686-46A0-B001-4AEE2D3C3223}" type="slidenum">
+            <a:fld id="{CEC86E89-2023-41D9-BDE7-A9A3BFAFFC01}" type="slidenum">
               <a:rPr lang="zh-CN" altLang="en-US" smtClean="0"/>
               <a:t>‹#›</a:t>
             </a:fld>
@@ -2438,7 +2438,7 @@
     </p:spTree>
     <p:extLst>
       <p:ext uri="{BB962C8B-B14F-4D97-AF65-F5344CB8AC3E}">
-        <p14:creationId xmlns:p14="http://schemas.microsoft.com/office/powerpoint/2010/main" val="2038816083"/>
+        <p14:creationId xmlns:p14="http://schemas.microsoft.com/office/powerpoint/2010/main" val="3461629342"/>
       </p:ext>
     </p:extLst>
   </p:cSld>
@@ -2470,7 +2470,7 @@
           <p:cNvPr id="2" name="标题 1">
             <a:extLst>
               <a:ext uri="{FF2B5EF4-FFF2-40B4-BE49-F238E27FC236}">
-                <a16:creationId xmlns:a16="http://schemas.microsoft.com/office/drawing/2014/main" id="{14CA702E-5893-5E11-E893-E083F9D13724}"/>
+                <a16:creationId xmlns:a16="http://schemas.microsoft.com/office/drawing/2014/main" id="{87CD8D51-75F4-3119-001B-CBCB91BCD695}"/>
               </a:ext>
             </a:extLst>
           </p:cNvPr>
@@ -2507,7 +2507,7 @@
           <p:cNvPr id="3" name="图片占位符 2">
             <a:extLst>
               <a:ext uri="{FF2B5EF4-FFF2-40B4-BE49-F238E27FC236}">
-                <a16:creationId xmlns:a16="http://schemas.microsoft.com/office/drawing/2014/main" id="{917BD9F9-0EF3-CA8B-53DF-CFB8DC2295A3}"/>
+                <a16:creationId xmlns:a16="http://schemas.microsoft.com/office/drawing/2014/main" id="{082DCF07-BE3A-9658-7031-57C8DFB1712F}"/>
               </a:ext>
             </a:extLst>
           </p:cNvPr>
@@ -2574,7 +2574,7 @@
           <p:cNvPr id="4" name="文本占位符 3">
             <a:extLst>
               <a:ext uri="{FF2B5EF4-FFF2-40B4-BE49-F238E27FC236}">
-                <a16:creationId xmlns:a16="http://schemas.microsoft.com/office/drawing/2014/main" id="{EC42EE37-A574-0C26-9232-62DFFD7F8F56}"/>
+                <a16:creationId xmlns:a16="http://schemas.microsoft.com/office/drawing/2014/main" id="{204344D8-50CD-1FEA-8586-697547A9CD3A}"/>
               </a:ext>
             </a:extLst>
           </p:cNvPr>
@@ -2645,7 +2645,7 @@
           <p:cNvPr id="5" name="日期占位符 4">
             <a:extLst>
               <a:ext uri="{FF2B5EF4-FFF2-40B4-BE49-F238E27FC236}">
-                <a16:creationId xmlns:a16="http://schemas.microsoft.com/office/drawing/2014/main" id="{30AC0159-A349-153C-D27B-5D03438C0922}"/>
+                <a16:creationId xmlns:a16="http://schemas.microsoft.com/office/drawing/2014/main" id="{709B8147-3674-8BDA-D72D-E15350585CE1}"/>
               </a:ext>
             </a:extLst>
           </p:cNvPr>
@@ -2661,7 +2661,7 @@
           <a:bodyPr/>
           <a:lstStyle/>
           <a:p>
-            <a:fld id="{70D4BBF8-BED4-4AC0-AEFE-8107CD8998E5}" type="datetimeFigureOut">
+            <a:fld id="{709169FE-538B-4559-9D83-C1497EAC051C}" type="datetimeFigureOut">
               <a:rPr lang="zh-CN" altLang="en-US" smtClean="0"/>
               <a:t>2024/3/10</a:t>
             </a:fld>
@@ -2674,7 +2674,7 @@
           <p:cNvPr id="6" name="页脚占位符 5">
             <a:extLst>
               <a:ext uri="{FF2B5EF4-FFF2-40B4-BE49-F238E27FC236}">
-                <a16:creationId xmlns:a16="http://schemas.microsoft.com/office/drawing/2014/main" id="{21ADF5DF-263A-10FA-CEC4-822767CBA302}"/>
+                <a16:creationId xmlns:a16="http://schemas.microsoft.com/office/drawing/2014/main" id="{ACA876C9-F84D-77E5-05DC-4225AE11B68C}"/>
               </a:ext>
             </a:extLst>
           </p:cNvPr>
@@ -2699,7 +2699,7 @@
           <p:cNvPr id="7" name="灯片编号占位符 6">
             <a:extLst>
               <a:ext uri="{FF2B5EF4-FFF2-40B4-BE49-F238E27FC236}">
-                <a16:creationId xmlns:a16="http://schemas.microsoft.com/office/drawing/2014/main" id="{13A9102B-2A3D-8548-645D-64CEE8C8D9F8}"/>
+                <a16:creationId xmlns:a16="http://schemas.microsoft.com/office/drawing/2014/main" id="{56D1A191-09A3-9697-12DD-2BF8DA5D27FB}"/>
               </a:ext>
             </a:extLst>
           </p:cNvPr>
@@ -2715,7 +2715,7 @@
           <a:bodyPr/>
           <a:lstStyle/>
           <a:p>
-            <a:fld id="{7069FB37-4686-46A0-B001-4AEE2D3C3223}" type="slidenum">
+            <a:fld id="{CEC86E89-2023-41D9-BDE7-A9A3BFAFFC01}" type="slidenum">
               <a:rPr lang="zh-CN" altLang="en-US" smtClean="0"/>
               <a:t>‹#›</a:t>
             </a:fld>
@@ -2726,7 +2726,7 @@
     </p:spTree>
     <p:extLst>
       <p:ext uri="{BB962C8B-B14F-4D97-AF65-F5344CB8AC3E}">
-        <p14:creationId xmlns:p14="http://schemas.microsoft.com/office/powerpoint/2010/main" val="2412883945"/>
+        <p14:creationId xmlns:p14="http://schemas.microsoft.com/office/powerpoint/2010/main" val="1294286243"/>
       </p:ext>
     </p:extLst>
   </p:cSld>
@@ -2763,7 +2763,7 @@
           <p:cNvPr id="2" name="标题占位符 1">
             <a:extLst>
               <a:ext uri="{FF2B5EF4-FFF2-40B4-BE49-F238E27FC236}">
-                <a16:creationId xmlns:a16="http://schemas.microsoft.com/office/drawing/2014/main" id="{12BFAA1D-3B54-8E39-08AE-5E5B2BC36095}"/>
+                <a16:creationId xmlns:a16="http://schemas.microsoft.com/office/drawing/2014/main" id="{172F97AB-2BE0-4F5E-AE67-E6DD589272D8}"/>
               </a:ext>
             </a:extLst>
           </p:cNvPr>
@@ -2801,7 +2801,7 @@
           <p:cNvPr id="3" name="文本占位符 2">
             <a:extLst>
               <a:ext uri="{FF2B5EF4-FFF2-40B4-BE49-F238E27FC236}">
-                <a16:creationId xmlns:a16="http://schemas.microsoft.com/office/drawing/2014/main" id="{17FDB72A-2F62-B4E8-9BBA-36FD6BB84987}"/>
+                <a16:creationId xmlns:a16="http://schemas.microsoft.com/office/drawing/2014/main" id="{3F40F93E-ABA3-6398-2B50-0373A919BE56}"/>
               </a:ext>
             </a:extLst>
           </p:cNvPr>
@@ -2868,7 +2868,7 @@
           <p:cNvPr id="4" name="日期占位符 3">
             <a:extLst>
               <a:ext uri="{FF2B5EF4-FFF2-40B4-BE49-F238E27FC236}">
-                <a16:creationId xmlns:a16="http://schemas.microsoft.com/office/drawing/2014/main" id="{415474A7-2755-FA11-7FA2-102C2F764D19}"/>
+                <a16:creationId xmlns:a16="http://schemas.microsoft.com/office/drawing/2014/main" id="{874B3596-4D60-4C90-D6C5-E0770E974D39}"/>
               </a:ext>
             </a:extLst>
           </p:cNvPr>
@@ -2902,7 +2902,7 @@
             </a:lvl1pPr>
           </a:lstStyle>
           <a:p>
-            <a:fld id="{70D4BBF8-BED4-4AC0-AEFE-8107CD8998E5}" type="datetimeFigureOut">
+            <a:fld id="{709169FE-538B-4559-9D83-C1497EAC051C}" type="datetimeFigureOut">
               <a:rPr lang="zh-CN" altLang="en-US" smtClean="0"/>
               <a:t>2024/3/10</a:t>
             </a:fld>
@@ -2915,7 +2915,7 @@
           <p:cNvPr id="5" name="页脚占位符 4">
             <a:extLst>
               <a:ext uri="{FF2B5EF4-FFF2-40B4-BE49-F238E27FC236}">
-                <a16:creationId xmlns:a16="http://schemas.microsoft.com/office/drawing/2014/main" id="{C3ED3A6C-8949-A9B1-CF80-C5C49D389A39}"/>
+                <a16:creationId xmlns:a16="http://schemas.microsoft.com/office/drawing/2014/main" id="{7C731730-EF69-848A-3EC9-54FA1467D098}"/>
               </a:ext>
             </a:extLst>
           </p:cNvPr>
@@ -2958,7 +2958,7 @@
           <p:cNvPr id="6" name="灯片编号占位符 5">
             <a:extLst>
               <a:ext uri="{FF2B5EF4-FFF2-40B4-BE49-F238E27FC236}">
-                <a16:creationId xmlns:a16="http://schemas.microsoft.com/office/drawing/2014/main" id="{0CBFBFD8-338C-49FA-1BF7-86424C189376}"/>
+                <a16:creationId xmlns:a16="http://schemas.microsoft.com/office/drawing/2014/main" id="{4BF5F0A1-A65D-7043-9EBD-C17CAAC656A4}"/>
               </a:ext>
             </a:extLst>
           </p:cNvPr>
@@ -2992,7 +2992,7 @@
             </a:lvl1pPr>
           </a:lstStyle>
           <a:p>
-            <a:fld id="{7069FB37-4686-46A0-B001-4AEE2D3C3223}" type="slidenum">
+            <a:fld id="{CEC86E89-2023-41D9-BDE7-A9A3BFAFFC01}" type="slidenum">
               <a:rPr lang="zh-CN" altLang="en-US" smtClean="0"/>
               <a:t>‹#›</a:t>
             </a:fld>
@@ -3003,7 +3003,7 @@
     </p:spTree>
     <p:extLst>
       <p:ext uri="{BB962C8B-B14F-4D97-AF65-F5344CB8AC3E}">
-        <p14:creationId xmlns:p14="http://schemas.microsoft.com/office/powerpoint/2010/main" val="3929871777"/>
+        <p14:creationId xmlns:p14="http://schemas.microsoft.com/office/powerpoint/2010/main" val="1982836412"/>
       </p:ext>
     </p:extLst>
   </p:cSld>
@@ -3323,7 +3323,7 @@
       </p:grpSpPr>
       <p:pic>
         <p:nvPicPr>
-          <p:cNvPr id="828418" name="Picture 2" descr="808"/>
+          <p:cNvPr id="829442" name="Picture 2" descr="809"/>
           <p:cNvPicPr>
             <a:picLocks noChangeAspect="1" noChangeArrowheads="1"/>
           </p:cNvPicPr>
@@ -3344,8 +3344,8 @@
         </p:blipFill>
         <p:spPr bwMode="auto">
           <a:xfrm>
-            <a:off x="1524000" y="0"/>
-            <a:ext cx="9144000" cy="6858000"/>
+            <a:off x="1524000" y="1"/>
+            <a:ext cx="9144000" cy="5661025"/>
           </a:xfrm>
           <a:prstGeom prst="rect">
             <a:avLst/>
